--- a/movie rating project.pptx
+++ b/movie rating project.pptx
@@ -4387,7 +4387,7 @@
                 <a:latin typeface="Arial"/>
                 <a:cs typeface="Arial"/>
               </a:rPr>
-              <a:t>1.SAVITHA R</a:t>
+              <a:t>SAVITHA.R</a:t>
             </a:r>
             <a:endParaRPr lang="en-US" sz="2000" b="1" dirty="0">
               <a:solidFill>
@@ -4401,7 +4401,7 @@
           </a:p>
           <a:p>
             <a:r>
-              <a:rPr lang="en-US" sz="2000" b="1" dirty="0">
+              <a:rPr lang="en-US" sz="2000" b="1" dirty="0" smtClean="0">
                 <a:solidFill>
                   <a:schemeClr val="accent1">
                     <a:lumMod val="75000"/>
@@ -4410,8 +4410,41 @@
                 <a:latin typeface="Arial"/>
                 <a:cs typeface="Arial"/>
               </a:rPr>
-              <a:t> VIVEKANANDHA COLLEGE OF TECHNOLOGY FOR WOMEN-CIVIL ENGINEERING</a:t>
-            </a:r>
+              <a:t>VIVEKANANDHA </a:t>
+            </a:r>
+            <a:r>
+              <a:rPr lang="en-US" sz="2000" b="1" dirty="0">
+                <a:solidFill>
+                  <a:schemeClr val="accent1">
+                    <a:lumMod val="75000"/>
+                  </a:schemeClr>
+                </a:solidFill>
+                <a:latin typeface="Arial"/>
+                <a:cs typeface="Arial"/>
+              </a:rPr>
+              <a:t>COLLEGE OF TECHNOLOGY FOR </a:t>
+            </a:r>
+            <a:r>
+              <a:rPr lang="en-US" sz="2000" b="1" dirty="0" smtClean="0">
+                <a:solidFill>
+                  <a:schemeClr val="accent1">
+                    <a:lumMod val="75000"/>
+                  </a:schemeClr>
+                </a:solidFill>
+                <a:latin typeface="Arial"/>
+                <a:cs typeface="Arial"/>
+              </a:rPr>
+              <a:t>WOMEN-ELECTRICAL AND ELECTRONICS ENGINEERING</a:t>
+            </a:r>
+            <a:endParaRPr lang="en-US" sz="2000" b="1" dirty="0">
+              <a:solidFill>
+                <a:schemeClr val="accent1">
+                  <a:lumMod val="75000"/>
+                </a:schemeClr>
+              </a:solidFill>
+              <a:latin typeface="Arial"/>
+              <a:cs typeface="Arial"/>
+            </a:endParaRPr>
           </a:p>
         </p:txBody>
       </p:sp>
